--- a/heti_jelentés/Cook it yourself (W46).pptx
+++ b/heti_jelentés/Cook it yourself (W46).pptx
@@ -142,10 +142,25 @@
   <pc:docChgLst>
     <pc:chgData name="Pétermann Niki" userId="30bf5fbe8a38c1e2" providerId="LiveId" clId="{51BE2FE5-12E8-452A-A82E-9BA6BB2979D9}"/>
     <pc:docChg chg="modSld">
-      <pc:chgData name="Pétermann Niki" userId="30bf5fbe8a38c1e2" providerId="LiveId" clId="{51BE2FE5-12E8-452A-A82E-9BA6BB2979D9}" dt="2022-11-16T13:08:41.086" v="55" actId="20577"/>
+      <pc:chgData name="Pétermann Niki" userId="30bf5fbe8a38c1e2" providerId="LiveId" clId="{51BE2FE5-12E8-452A-A82E-9BA6BB2979D9}" dt="2022-11-16T13:12:50.732" v="62" actId="20577"/>
       <pc:docMkLst>
         <pc:docMk/>
       </pc:docMkLst>
+      <pc:sldChg chg="modSp">
+        <pc:chgData name="Pétermann Niki" userId="30bf5fbe8a38c1e2" providerId="LiveId" clId="{51BE2FE5-12E8-452A-A82E-9BA6BB2979D9}" dt="2022-11-16T13:12:50.732" v="62" actId="20577"/>
+        <pc:sldMkLst>
+          <pc:docMk/>
+          <pc:sldMk cId="1075538799" sldId="274"/>
+        </pc:sldMkLst>
+        <pc:graphicFrameChg chg="mod">
+          <ac:chgData name="Pétermann Niki" userId="30bf5fbe8a38c1e2" providerId="LiveId" clId="{51BE2FE5-12E8-452A-A82E-9BA6BB2979D9}" dt="2022-11-16T13:12:50.732" v="62" actId="20577"/>
+          <ac:graphicFrameMkLst>
+            <pc:docMk/>
+            <pc:sldMk cId="1075538799" sldId="274"/>
+            <ac:graphicFrameMk id="21" creationId="{A3D1C6A2-434F-413C-ACCC-99B0DBD24CFD}"/>
+          </ac:graphicFrameMkLst>
+        </pc:graphicFrameChg>
+      </pc:sldChg>
       <pc:sldChg chg="modSp">
         <pc:chgData name="Pétermann Niki" userId="30bf5fbe8a38c1e2" providerId="LiveId" clId="{51BE2FE5-12E8-452A-A82E-9BA6BB2979D9}" dt="2022-11-16T13:07:40.234" v="51" actId="20577"/>
         <pc:sldMkLst>
@@ -3702,20 +3717,8 @@
         <a:lstStyle/>
         <a:p>
           <a:r>
-            <a:rPr lang="hu-HU" dirty="0" err="1"/>
-            <a:t>First</a:t>
-          </a:r>
-          <a:r>
-            <a:rPr lang="hu-HU" dirty="0"/>
-            <a:t> </a:t>
-          </a:r>
-          <a:r>
-            <a:rPr lang="hu-HU" dirty="0" err="1"/>
-            <a:t>feedbacks</a:t>
-          </a:r>
-          <a:r>
-            <a:rPr lang="hu-HU" dirty="0"/>
-            <a:t> </a:t>
+            <a:rPr lang="hu-HU"/>
+            <a:t>Feedback </a:t>
           </a:r>
           <a:r>
             <a:rPr lang="hu-HU" dirty="0" err="1"/>
@@ -4678,20 +4681,8 @@
             <a:buNone/>
           </a:pPr>
           <a:r>
-            <a:rPr lang="hu-HU" sz="4000" kern="1200" dirty="0" err="1"/>
-            <a:t>First</a:t>
-          </a:r>
-          <a:r>
-            <a:rPr lang="hu-HU" sz="4000" kern="1200" dirty="0"/>
-            <a:t> </a:t>
-          </a:r>
-          <a:r>
-            <a:rPr lang="hu-HU" sz="4000" kern="1200" dirty="0" err="1"/>
-            <a:t>feedbacks</a:t>
-          </a:r>
-          <a:r>
-            <a:rPr lang="hu-HU" sz="4000" kern="1200" dirty="0"/>
-            <a:t> </a:t>
+            <a:rPr lang="hu-HU" sz="4000" kern="1200"/>
+            <a:t>Feedback </a:t>
           </a:r>
           <a:r>
             <a:rPr lang="hu-HU" sz="4000" kern="1200" dirty="0" err="1"/>
@@ -16527,7 +16518,7 @@
             <p:ph idx="1"/>
             <p:extLst>
               <p:ext uri="{D42A27DB-BD31-4B8C-83A1-F6EECF244321}">
-                <p14:modId xmlns:p14="http://schemas.microsoft.com/office/powerpoint/2010/main" val="2544015479"/>
+                <p14:modId xmlns:p14="http://schemas.microsoft.com/office/powerpoint/2010/main" val="1542974242"/>
               </p:ext>
             </p:extLst>
           </p:nvPr>
@@ -19147,21 +19138,21 @@
 </file>
 
 <file path=customXml/item1.xml><?xml version="1.0" encoding="utf-8"?>
+<?mso-contentType ?>
+<FormTemplates xmlns="http://schemas.microsoft.com/sharepoint/v3/contenttype/forms">
+  <Display>DocumentLibraryForm</Display>
+  <Edit>DocumentLibraryForm</Edit>
+  <New>DocumentLibraryForm</New>
+</FormTemplates>
+</file>
+
+<file path=customXml/item2.xml><?xml version="1.0" encoding="utf-8"?>
 <p:properties xmlns:p="http://schemas.microsoft.com/office/2006/metadata/properties" xmlns:xsi="http://www.w3.org/2001/XMLSchema-instance" xmlns:pc="http://schemas.microsoft.com/office/infopath/2007/PartnerControls">
   <documentManagement>
     <Status xmlns="71af3243-3dd4-4a8d-8c0d-dd76da1f02a5">Not started</Status>
     <MediaServiceKeyPoints xmlns="71af3243-3dd4-4a8d-8c0d-dd76da1f02a5" xsi:nil="true"/>
   </documentManagement>
 </p:properties>
-</file>
-
-<file path=customXml/item2.xml><?xml version="1.0" encoding="utf-8"?>
-<?mso-contentType ?>
-<FormTemplates xmlns="http://schemas.microsoft.com/sharepoint/v3/contenttype/forms">
-  <Display>DocumentLibraryForm</Display>
-  <Edit>DocumentLibraryForm</Edit>
-  <New>DocumentLibraryForm</New>
-</FormTemplates>
 </file>
 
 <file path=customXml/item3.xml><?xml version="1.0" encoding="utf-8"?>
@@ -19386,19 +19377,19 @@
 </file>
 
 <file path=customXml/itemProps1.xml><?xml version="1.0" encoding="utf-8"?>
+<ds:datastoreItem xmlns:ds="http://schemas.openxmlformats.org/officeDocument/2006/customXml" ds:itemID="{4EE1C908-B3CC-430B-8659-0948FA2BA0C9}">
+  <ds:schemaRefs>
+    <ds:schemaRef ds:uri="http://schemas.microsoft.com/sharepoint/v3/contenttype/forms"/>
+  </ds:schemaRefs>
+</ds:datastoreItem>
+</file>
+
+<file path=customXml/itemProps2.xml><?xml version="1.0" encoding="utf-8"?>
 <ds:datastoreItem xmlns:ds="http://schemas.openxmlformats.org/officeDocument/2006/customXml" ds:itemID="{6D45F22A-22AD-4AB5-B4E5-D6E61E43E45F}">
   <ds:schemaRefs>
     <ds:schemaRef ds:uri="http://schemas.microsoft.com/office/2006/metadata/properties"/>
     <ds:schemaRef ds:uri="http://schemas.microsoft.com/office/infopath/2007/PartnerControls"/>
     <ds:schemaRef ds:uri="71af3243-3dd4-4a8d-8c0d-dd76da1f02a5"/>
-  </ds:schemaRefs>
-</ds:datastoreItem>
-</file>
-
-<file path=customXml/itemProps2.xml><?xml version="1.0" encoding="utf-8"?>
-<ds:datastoreItem xmlns:ds="http://schemas.openxmlformats.org/officeDocument/2006/customXml" ds:itemID="{4EE1C908-B3CC-430B-8659-0948FA2BA0C9}">
-  <ds:schemaRefs>
-    <ds:schemaRef ds:uri="http://schemas.microsoft.com/sharepoint/v3/contenttype/forms"/>
   </ds:schemaRefs>
 </ds:datastoreItem>
 </file>
